--- a/Car Insurance - Numann Malik.pptx
+++ b/Car Insurance - Numann Malik.pptx
@@ -35970,26 +35970,6 @@
             </a:endParaRPr>
           </a:p>
           <a:p>
-            <a:pPr marL="0" lvl="0" indent="0" algn="ctr" rtl="0">
-              <a:spcBef>
-                <a:spcPts val="0"/>
-              </a:spcBef>
-              <a:spcAft>
-                <a:spcPts val="0"/>
-              </a:spcAft>
-              <a:buNone/>
-            </a:pPr>
-            <a:endParaRPr sz="1200" b="1" dirty="0">
-              <a:solidFill>
-                <a:schemeClr val="dk1"/>
-              </a:solidFill>
-              <a:latin typeface="Chivo"/>
-              <a:ea typeface="Chivo"/>
-              <a:cs typeface="Chivo"/>
-              <a:sym typeface="Chivo"/>
-            </a:endParaRPr>
-          </a:p>
-          <a:p>
             <a:pPr marL="0" lvl="0" indent="0" algn="l" rtl="0">
               <a:spcBef>
                 <a:spcPts val="0"/>
@@ -36057,7 +36037,7 @@
                 <a:cs typeface="Chivo"/>
                 <a:sym typeface="Chivo"/>
               </a:rPr>
-              <a:t> claims. The ‘Outcome’ target feature below indicates whether a customer filed a claim (1) or not (2).</a:t>
+              <a:t> claims. The ‘Outcome’ target feature below indicates whether a customer filed a claim (1) or not (0).</a:t>
             </a:r>
             <a:endParaRPr sz="1200" b="1" dirty="0">
               <a:solidFill>
@@ -36098,14 +36078,14 @@
           <p:nvPr>
             <p:extLst>
               <p:ext uri="{D42A27DB-BD31-4B8C-83A1-F6EECF244321}">
-                <p14:modId xmlns:p14="http://schemas.microsoft.com/office/powerpoint/2010/main" val="3018917153"/>
+                <p14:modId xmlns:p14="http://schemas.microsoft.com/office/powerpoint/2010/main" val="1007216515"/>
               </p:ext>
             </p:extLst>
           </p:nvPr>
         </p:nvGraphicFramePr>
         <p:xfrm>
-          <a:off x="947600" y="2040467"/>
-          <a:ext cx="7239000" cy="2387077"/>
+          <a:off x="840024" y="1755500"/>
+          <a:ext cx="7239000" cy="2788057"/>
         </p:xfrm>
         <a:graphic>
           <a:graphicData uri="http://schemas.openxmlformats.org/drawingml/2006/table">
@@ -36158,7 +36138,7 @@
                   </a:extLst>
                 </a:gridCol>
               </a:tblGrid>
-              <a:tr h="336433">
+              <a:tr h="307173">
                 <a:tc>
                   <a:txBody>
                     <a:bodyPr/>
@@ -36360,10 +36340,10 @@
                         <a:buNone/>
                       </a:pPr>
                       <a:r>
-                        <a:rPr lang="en" sz="900" b="1" u="sng"/>
+                        <a:rPr lang="en" sz="900" b="1" u="sng" dirty="0"/>
                         <a:t>Description</a:t>
                       </a:r>
-                      <a:endParaRPr sz="900" b="1" u="sng"/>
+                      <a:endParaRPr sz="900" b="1" u="sng" dirty="0"/>
                     </a:p>
                   </a:txBody>
                   <a:tcPr marL="91425" marR="91425" marT="91425" marB="91425">
@@ -36534,7 +36514,7 @@
                   </a:ext>
                 </a:extLst>
               </a:tr>
-              <a:tr h="304389">
+              <a:tr h="361751">
                 <a:tc>
                   <a:txBody>
                     <a:bodyPr/>
@@ -36550,10 +36530,10 @@
                         <a:buNone/>
                       </a:pPr>
                       <a:r>
-                        <a:rPr lang="en" sz="700" b="1"/>
-                        <a:t>ID</a:t>
+                        <a:rPr lang="en" sz="700" b="1" dirty="0"/>
+                        <a:t>Age</a:t>
                       </a:r>
-                      <a:endParaRPr sz="700" b="1"/>
+                      <a:endParaRPr sz="700" b="1" dirty="0"/>
                     </a:p>
                   </a:txBody>
                   <a:tcPr marL="91425" marR="91425" marT="91425" marB="91425">
@@ -36613,10 +36593,10 @@
                         <a:buNone/>
                       </a:pPr>
                       <a:r>
-                        <a:rPr lang="en" sz="700" b="1"/>
-                        <a:t>Unique Identifier</a:t>
+                        <a:rPr lang="en" sz="700" b="1" dirty="0"/>
+                        <a:t>16-25, 26-39, 40-64, or 65+</a:t>
                       </a:r>
-                      <a:endParaRPr sz="700" b="1"/>
+                      <a:endParaRPr sz="700" b="1" dirty="0"/>
                     </a:p>
                   </a:txBody>
                   <a:tcPr marL="91425" marR="91425" marT="91425" marB="91425">
@@ -36673,10 +36653,10 @@
                         <a:buNone/>
                       </a:pPr>
                       <a:r>
-                        <a:rPr lang="en" sz="700" b="1"/>
-                        <a:t>Heart_disease</a:t>
+                        <a:rPr lang="en" sz="700" b="1" dirty="0"/>
+                        <a:t>Credit Score</a:t>
                       </a:r>
-                      <a:endParaRPr sz="700" b="1"/>
+                      <a:endParaRPr sz="700" b="1" dirty="0"/>
                     </a:p>
                   </a:txBody>
                   <a:tcPr marL="91425" marR="91425" marT="91425" marB="91425">
@@ -36736,10 +36716,10 @@
                         <a:buNone/>
                       </a:pPr>
                       <a:r>
-                        <a:rPr lang="en" sz="700" b="1"/>
-                        <a:t>0 (no) or 1 (yes)</a:t>
+                        <a:rPr lang="en" sz="700" b="1" dirty="0"/>
+                        <a:t>Between 0 and 1 (scaled)</a:t>
                       </a:r>
-                      <a:endParaRPr sz="700" b="1"/>
+                      <a:endParaRPr sz="700" b="1" dirty="0"/>
                     </a:p>
                   </a:txBody>
                   <a:tcPr marL="91425" marR="91425" marT="91425" marB="91425">
@@ -36796,10 +36776,10 @@
                         <a:buNone/>
                       </a:pPr>
                       <a:r>
-                        <a:rPr lang="en" sz="700" b="1"/>
-                        <a:t>Avg_glucose_level</a:t>
+                        <a:rPr lang="en" sz="700" b="1" dirty="0"/>
+                        <a:t>Annual Mileage</a:t>
                       </a:r>
-                      <a:endParaRPr sz="700" b="1"/>
+                      <a:endParaRPr sz="700" b="1" dirty="0"/>
                     </a:p>
                   </a:txBody>
                   <a:tcPr marL="91425" marR="91425" marT="91425" marB="91425">
@@ -36859,10 +36839,10 @@
                         <a:buNone/>
                       </a:pPr>
                       <a:r>
-                        <a:rPr lang="en" sz="700" b="1"/>
-                        <a:t>Glucose level (mg/dL)</a:t>
+                        <a:rPr lang="en" sz="700" b="1" dirty="0"/>
+                        <a:t>Rounded to nearest 1000 miles</a:t>
                       </a:r>
-                      <a:endParaRPr sz="700" b="1"/>
+                      <a:endParaRPr sz="700" b="1" dirty="0"/>
                     </a:p>
                   </a:txBody>
                   <a:tcPr marL="91425" marR="91425" marT="91425" marB="91425">
@@ -36910,7 +36890,7 @@
                   </a:ext>
                 </a:extLst>
               </a:tr>
-              <a:tr h="416544">
+              <a:tr h="380317">
                 <a:tc>
                   <a:txBody>
                     <a:bodyPr/>
@@ -36990,7 +36970,7 @@
                       </a:pPr>
                       <a:r>
                         <a:rPr lang="en" sz="700" b="1" dirty="0"/>
-                        <a:t>Male, Female, or Other</a:t>
+                        <a:t>Male or Female</a:t>
                       </a:r>
                       <a:endParaRPr sz="700" b="1" dirty="0"/>
                     </a:p>
@@ -37049,8 +37029,130 @@
                         <a:buNone/>
                       </a:pPr>
                       <a:r>
-                        <a:rPr lang="en" sz="700" b="1" dirty="0" err="1"/>
-                        <a:t>Ever_married</a:t>
+                        <a:rPr lang="en" sz="700" b="1" dirty="0"/>
+                        <a:t>Vehicle Ownership</a:t>
+                      </a:r>
+                      <a:endParaRPr sz="700" b="1" dirty="0"/>
+                    </a:p>
+                  </a:txBody>
+                  <a:tcPr marL="91425" marR="91425" marT="91425" marB="91425">
+                    <a:lnL w="38100" cap="flat" cmpd="sng">
+                      <a:solidFill>
+                        <a:schemeClr val="dk1"/>
+                      </a:solidFill>
+                      <a:prstDash val="solid"/>
+                      <a:round/>
+                      <a:headEnd type="none" w="sm" len="sm"/>
+                      <a:tailEnd type="none" w="sm" len="sm"/>
+                    </a:lnL>
+                    <a:lnR w="9525" cap="flat" cmpd="sng">
+                      <a:solidFill>
+                        <a:schemeClr val="dk1"/>
+                      </a:solidFill>
+                      <a:prstDash val="solid"/>
+                      <a:round/>
+                      <a:headEnd type="none" w="sm" len="sm"/>
+                      <a:tailEnd type="none" w="sm" len="sm"/>
+                    </a:lnR>
+                    <a:lnT w="9525" cap="flat" cmpd="sng">
+                      <a:solidFill>
+                        <a:schemeClr val="dk1"/>
+                      </a:solidFill>
+                      <a:prstDash val="solid"/>
+                      <a:round/>
+                      <a:headEnd type="none" w="sm" len="sm"/>
+                      <a:tailEnd type="none" w="sm" len="sm"/>
+                    </a:lnT>
+                    <a:lnB w="9525" cap="flat" cmpd="sng">
+                      <a:solidFill>
+                        <a:schemeClr val="dk1"/>
+                      </a:solidFill>
+                      <a:prstDash val="solid"/>
+                      <a:round/>
+                      <a:headEnd type="none" w="sm" len="sm"/>
+                      <a:tailEnd type="none" w="sm" len="sm"/>
+                    </a:lnB>
+                    <a:solidFill>
+                      <a:srgbClr val="C2C2C2"/>
+                    </a:solidFill>
+                  </a:tcPr>
+                </a:tc>
+                <a:tc>
+                  <a:txBody>
+                    <a:bodyPr/>
+                    <a:lstStyle/>
+                    <a:p>
+                      <a:pPr marL="0" lvl="0" indent="0" algn="ctr" rtl="0">
+                        <a:spcBef>
+                          <a:spcPts val="0"/>
+                        </a:spcBef>
+                        <a:spcAft>
+                          <a:spcPts val="0"/>
+                        </a:spcAft>
+                        <a:buNone/>
+                      </a:pPr>
+                      <a:r>
+                        <a:rPr lang="en-US" sz="700" b="1" dirty="0"/>
+                        <a:t>0 (no) or 1 (yes)</a:t>
+                      </a:r>
+                    </a:p>
+                  </a:txBody>
+                  <a:tcPr marL="91425" marR="91425" marT="91425" marB="91425">
+                    <a:lnL w="9525" cap="flat" cmpd="sng">
+                      <a:solidFill>
+                        <a:schemeClr val="dk1"/>
+                      </a:solidFill>
+                      <a:prstDash val="solid"/>
+                      <a:round/>
+                      <a:headEnd type="none" w="sm" len="sm"/>
+                      <a:tailEnd type="none" w="sm" len="sm"/>
+                    </a:lnL>
+                    <a:lnR w="38100" cap="flat" cmpd="sng">
+                      <a:solidFill>
+                        <a:schemeClr val="dk1"/>
+                      </a:solidFill>
+                      <a:prstDash val="solid"/>
+                      <a:round/>
+                      <a:headEnd type="none" w="sm" len="sm"/>
+                      <a:tailEnd type="none" w="sm" len="sm"/>
+                    </a:lnR>
+                    <a:lnT w="9525" cap="flat" cmpd="sng">
+                      <a:solidFill>
+                        <a:schemeClr val="dk1"/>
+                      </a:solidFill>
+                      <a:prstDash val="solid"/>
+                      <a:round/>
+                      <a:headEnd type="none" w="sm" len="sm"/>
+                      <a:tailEnd type="none" w="sm" len="sm"/>
+                    </a:lnT>
+                    <a:lnB w="9525" cap="flat" cmpd="sng">
+                      <a:solidFill>
+                        <a:schemeClr val="dk1"/>
+                      </a:solidFill>
+                      <a:prstDash val="solid"/>
+                      <a:round/>
+                      <a:headEnd type="none" w="sm" len="sm"/>
+                      <a:tailEnd type="none" w="sm" len="sm"/>
+                    </a:lnB>
+                  </a:tcPr>
+                </a:tc>
+                <a:tc>
+                  <a:txBody>
+                    <a:bodyPr/>
+                    <a:lstStyle/>
+                    <a:p>
+                      <a:pPr marL="0" lvl="0" indent="0" algn="ctr" rtl="0">
+                        <a:spcBef>
+                          <a:spcPts val="0"/>
+                        </a:spcBef>
+                        <a:spcAft>
+                          <a:spcPts val="0"/>
+                        </a:spcAft>
+                        <a:buNone/>
+                      </a:pPr>
+                      <a:r>
+                        <a:rPr lang="en" sz="700" b="1" dirty="0"/>
+                        <a:t>Vehicle Type</a:t>
                       </a:r>
                       <a:endParaRPr sz="700" b="1" dirty="0"/>
                     </a:p>
@@ -37113,7 +37215,137 @@
                       </a:pPr>
                       <a:r>
                         <a:rPr lang="en" sz="700" b="1" dirty="0"/>
-                        <a:t>Yes or No</a:t>
+                        <a:t>Sedan or Sports Car</a:t>
+                      </a:r>
+                      <a:endParaRPr sz="700" b="1" dirty="0"/>
+                    </a:p>
+                  </a:txBody>
+                  <a:tcPr marL="91425" marR="91425" marT="91425" marB="91425">
+                    <a:lnL w="9525" cap="flat" cmpd="sng">
+                      <a:solidFill>
+                        <a:schemeClr val="dk1"/>
+                      </a:solidFill>
+                      <a:prstDash val="solid"/>
+                      <a:round/>
+                      <a:headEnd type="none" w="sm" len="sm"/>
+                      <a:tailEnd type="none" w="sm" len="sm"/>
+                    </a:lnL>
+                    <a:lnR w="9525" cap="flat" cmpd="sng">
+                      <a:solidFill>
+                        <a:schemeClr val="dk1"/>
+                      </a:solidFill>
+                      <a:prstDash val="solid"/>
+                      <a:round/>
+                      <a:headEnd type="none" w="sm" len="sm"/>
+                      <a:tailEnd type="none" w="sm" len="sm"/>
+                    </a:lnR>
+                    <a:lnT w="9525" cap="flat" cmpd="sng">
+                      <a:solidFill>
+                        <a:schemeClr val="dk1"/>
+                      </a:solidFill>
+                      <a:prstDash val="solid"/>
+                      <a:round/>
+                      <a:headEnd type="none" w="sm" len="sm"/>
+                      <a:tailEnd type="none" w="sm" len="sm"/>
+                    </a:lnT>
+                    <a:lnB w="9525" cap="flat" cmpd="sng">
+                      <a:solidFill>
+                        <a:schemeClr val="dk1"/>
+                      </a:solidFill>
+                      <a:prstDash val="solid"/>
+                      <a:round/>
+                      <a:headEnd type="none" w="sm" len="sm"/>
+                      <a:tailEnd type="none" w="sm" len="sm"/>
+                    </a:lnB>
+                  </a:tcPr>
+                </a:tc>
+                <a:extLst>
+                  <a:ext uri="{0D108BD9-81ED-4DB2-BD59-A6C34878D82A}">
+                    <a16:rowId xmlns:a16="http://schemas.microsoft.com/office/drawing/2014/main" val="10002"/>
+                  </a:ext>
+                </a:extLst>
+              </a:tr>
+              <a:tr h="380317">
+                <a:tc>
+                  <a:txBody>
+                    <a:bodyPr/>
+                    <a:lstStyle/>
+                    <a:p>
+                      <a:pPr marL="0" lvl="0" indent="0" algn="ctr" rtl="0">
+                        <a:spcBef>
+                          <a:spcPts val="0"/>
+                        </a:spcBef>
+                        <a:spcAft>
+                          <a:spcPts val="0"/>
+                        </a:spcAft>
+                        <a:buNone/>
+                      </a:pPr>
+                      <a:r>
+                        <a:rPr lang="en" sz="700" b="1" dirty="0"/>
+                        <a:t>Race</a:t>
+                      </a:r>
+                      <a:endParaRPr sz="700" b="1" dirty="0"/>
+                    </a:p>
+                  </a:txBody>
+                  <a:tcPr marL="91425" marR="91425" marT="91425" marB="91425">
+                    <a:lnL w="9525" cap="flat" cmpd="sng">
+                      <a:solidFill>
+                        <a:schemeClr val="dk1"/>
+                      </a:solidFill>
+                      <a:prstDash val="solid"/>
+                      <a:round/>
+                      <a:headEnd type="none" w="sm" len="sm"/>
+                      <a:tailEnd type="none" w="sm" len="sm"/>
+                    </a:lnL>
+                    <a:lnR w="9525" cap="flat" cmpd="sng">
+                      <a:solidFill>
+                        <a:schemeClr val="dk1"/>
+                      </a:solidFill>
+                      <a:prstDash val="solid"/>
+                      <a:round/>
+                      <a:headEnd type="none" w="sm" len="sm"/>
+                      <a:tailEnd type="none" w="sm" len="sm"/>
+                    </a:lnR>
+                    <a:lnT w="9525" cap="flat" cmpd="sng">
+                      <a:solidFill>
+                        <a:schemeClr val="dk1"/>
+                      </a:solidFill>
+                      <a:prstDash val="solid"/>
+                      <a:round/>
+                      <a:headEnd type="none" w="sm" len="sm"/>
+                      <a:tailEnd type="none" w="sm" len="sm"/>
+                    </a:lnT>
+                    <a:lnB w="9525" cap="flat" cmpd="sng">
+                      <a:solidFill>
+                        <a:schemeClr val="dk1"/>
+                      </a:solidFill>
+                      <a:prstDash val="solid"/>
+                      <a:round/>
+                      <a:headEnd type="none" w="sm" len="sm"/>
+                      <a:tailEnd type="none" w="sm" len="sm"/>
+                    </a:lnB>
+                    <a:solidFill>
+                      <a:srgbClr val="C2C2C2"/>
+                    </a:solidFill>
+                  </a:tcPr>
+                </a:tc>
+                <a:tc>
+                  <a:txBody>
+                    <a:bodyPr/>
+                    <a:lstStyle/>
+                    <a:p>
+                      <a:pPr marL="0" lvl="0" indent="0" algn="ctr" rtl="0">
+                        <a:spcBef>
+                          <a:spcPts val="0"/>
+                        </a:spcBef>
+                        <a:spcAft>
+                          <a:spcPts val="0"/>
+                        </a:spcAft>
+                        <a:buNone/>
+                      </a:pPr>
+                      <a:r>
+                        <a:rPr lang="en" sz="700" b="1" dirty="0"/>
+                        <a:t>Majority or Minority</a:t>
                       </a:r>
                       <a:endParaRPr sz="700" b="1" dirty="0"/>
                     </a:p>
@@ -37173,7 +37405,7 @@
                       </a:pPr>
                       <a:r>
                         <a:rPr lang="en" sz="700" b="1" dirty="0"/>
-                        <a:t>BMI</a:t>
+                        <a:t>Vehicle Year</a:t>
                       </a:r>
                       <a:endParaRPr sz="700" b="1" dirty="0"/>
                     </a:p>
@@ -37235,140 +37467,10 @@
                         <a:buNone/>
                       </a:pPr>
                       <a:r>
-                        <a:rPr lang="en" sz="700" b="1"/>
-                        <a:t>Body Mass Index (kg/m2)</a:t>
+                        <a:rPr lang="en" sz="700" b="1" dirty="0"/>
+                        <a:t>Before 2015 or After 2015</a:t>
                       </a:r>
-                      <a:endParaRPr sz="700" b="1"/>
-                    </a:p>
-                  </a:txBody>
-                  <a:tcPr marL="91425" marR="91425" marT="91425" marB="91425">
-                    <a:lnL w="9525" cap="flat" cmpd="sng">
-                      <a:solidFill>
-                        <a:schemeClr val="dk1"/>
-                      </a:solidFill>
-                      <a:prstDash val="solid"/>
-                      <a:round/>
-                      <a:headEnd type="none" w="sm" len="sm"/>
-                      <a:tailEnd type="none" w="sm" len="sm"/>
-                    </a:lnL>
-                    <a:lnR w="9525" cap="flat" cmpd="sng">
-                      <a:solidFill>
-                        <a:schemeClr val="dk1"/>
-                      </a:solidFill>
-                      <a:prstDash val="solid"/>
-                      <a:round/>
-                      <a:headEnd type="none" w="sm" len="sm"/>
-                      <a:tailEnd type="none" w="sm" len="sm"/>
-                    </a:lnR>
-                    <a:lnT w="9525" cap="flat" cmpd="sng">
-                      <a:solidFill>
-                        <a:schemeClr val="dk1"/>
-                      </a:solidFill>
-                      <a:prstDash val="solid"/>
-                      <a:round/>
-                      <a:headEnd type="none" w="sm" len="sm"/>
-                      <a:tailEnd type="none" w="sm" len="sm"/>
-                    </a:lnT>
-                    <a:lnB w="9525" cap="flat" cmpd="sng">
-                      <a:solidFill>
-                        <a:schemeClr val="dk1"/>
-                      </a:solidFill>
-                      <a:prstDash val="solid"/>
-                      <a:round/>
-                      <a:headEnd type="none" w="sm" len="sm"/>
-                      <a:tailEnd type="none" w="sm" len="sm"/>
-                    </a:lnB>
-                  </a:tcPr>
-                </a:tc>
-                <a:extLst>
-                  <a:ext uri="{0D108BD9-81ED-4DB2-BD59-A6C34878D82A}">
-                    <a16:rowId xmlns:a16="http://schemas.microsoft.com/office/drawing/2014/main" val="10002"/>
-                  </a:ext>
-                </a:extLst>
-              </a:tr>
-              <a:tr h="416544">
-                <a:tc>
-                  <a:txBody>
-                    <a:bodyPr/>
-                    <a:lstStyle/>
-                    <a:p>
-                      <a:pPr marL="0" lvl="0" indent="0" algn="ctr" rtl="0">
-                        <a:spcBef>
-                          <a:spcPts val="0"/>
-                        </a:spcBef>
-                        <a:spcAft>
-                          <a:spcPts val="0"/>
-                        </a:spcAft>
-                        <a:buNone/>
-                      </a:pPr>
-                      <a:r>
-                        <a:rPr lang="en" sz="700" b="1"/>
-                        <a:t>Age</a:t>
-                      </a:r>
-                      <a:endParaRPr sz="700" b="1"/>
-                    </a:p>
-                  </a:txBody>
-                  <a:tcPr marL="91425" marR="91425" marT="91425" marB="91425">
-                    <a:lnL w="9525" cap="flat" cmpd="sng">
-                      <a:solidFill>
-                        <a:schemeClr val="dk1"/>
-                      </a:solidFill>
-                      <a:prstDash val="solid"/>
-                      <a:round/>
-                      <a:headEnd type="none" w="sm" len="sm"/>
-                      <a:tailEnd type="none" w="sm" len="sm"/>
-                    </a:lnL>
-                    <a:lnR w="9525" cap="flat" cmpd="sng">
-                      <a:solidFill>
-                        <a:schemeClr val="dk1"/>
-                      </a:solidFill>
-                      <a:prstDash val="solid"/>
-                      <a:round/>
-                      <a:headEnd type="none" w="sm" len="sm"/>
-                      <a:tailEnd type="none" w="sm" len="sm"/>
-                    </a:lnR>
-                    <a:lnT w="9525" cap="flat" cmpd="sng">
-                      <a:solidFill>
-                        <a:schemeClr val="dk1"/>
-                      </a:solidFill>
-                      <a:prstDash val="solid"/>
-                      <a:round/>
-                      <a:headEnd type="none" w="sm" len="sm"/>
-                      <a:tailEnd type="none" w="sm" len="sm"/>
-                    </a:lnT>
-                    <a:lnB w="9525" cap="flat" cmpd="sng">
-                      <a:solidFill>
-                        <a:schemeClr val="dk1"/>
-                      </a:solidFill>
-                      <a:prstDash val="solid"/>
-                      <a:round/>
-                      <a:headEnd type="none" w="sm" len="sm"/>
-                      <a:tailEnd type="none" w="sm" len="sm"/>
-                    </a:lnB>
-                    <a:solidFill>
-                      <a:srgbClr val="C2C2C2"/>
-                    </a:solidFill>
-                  </a:tcPr>
-                </a:tc>
-                <a:tc>
-                  <a:txBody>
-                    <a:bodyPr/>
-                    <a:lstStyle/>
-                    <a:p>
-                      <a:pPr marL="0" lvl="0" indent="0" algn="ctr" rtl="0">
-                        <a:spcBef>
-                          <a:spcPts val="0"/>
-                        </a:spcBef>
-                        <a:spcAft>
-                          <a:spcPts val="0"/>
-                        </a:spcAft>
-                        <a:buNone/>
-                      </a:pPr>
-                      <a:r>
-                        <a:rPr lang="en" sz="700" b="1"/>
-                        <a:t>Age of the patient</a:t>
-                      </a:r>
-                      <a:endParaRPr sz="700" b="1"/>
+                      <a:endParaRPr sz="700" b="1" dirty="0"/>
                     </a:p>
                   </a:txBody>
                   <a:tcPr marL="91425" marR="91425" marT="91425" marB="91425">
@@ -37425,10 +37527,10 @@
                         <a:buNone/>
                       </a:pPr>
                       <a:r>
-                        <a:rPr lang="en" sz="700" b="1"/>
-                        <a:t>Work_type</a:t>
+                        <a:rPr lang="en" sz="700" b="1" dirty="0"/>
+                        <a:t>Speeding Violations</a:t>
                       </a:r>
-                      <a:endParaRPr sz="700" b="1"/>
+                      <a:endParaRPr sz="700" b="1" dirty="0"/>
                     </a:p>
                   </a:txBody>
                   <a:tcPr marL="91425" marR="91425" marT="91425" marB="91425">
@@ -37488,133 +37590,10 @@
                         <a:buNone/>
                       </a:pPr>
                       <a:r>
-                        <a:rPr lang="en" sz="700" b="1"/>
-                        <a:t>Child, Govt, Private, Self-employed, or Never</a:t>
+                        <a:rPr lang="en" sz="700" b="1" dirty="0"/>
+                        <a:t>Numerical Frequency</a:t>
                       </a:r>
-                      <a:endParaRPr sz="700" b="1"/>
-                    </a:p>
-                  </a:txBody>
-                  <a:tcPr marL="91425" marR="91425" marT="91425" marB="91425">
-                    <a:lnL w="9525" cap="flat" cmpd="sng">
-                      <a:solidFill>
-                        <a:schemeClr val="dk1"/>
-                      </a:solidFill>
-                      <a:prstDash val="solid"/>
-                      <a:round/>
-                      <a:headEnd type="none" w="sm" len="sm"/>
-                      <a:tailEnd type="none" w="sm" len="sm"/>
-                    </a:lnL>
-                    <a:lnR w="38100" cap="flat" cmpd="sng">
-                      <a:solidFill>
-                        <a:schemeClr val="dk1"/>
-                      </a:solidFill>
-                      <a:prstDash val="solid"/>
-                      <a:round/>
-                      <a:headEnd type="none" w="sm" len="sm"/>
-                      <a:tailEnd type="none" w="sm" len="sm"/>
-                    </a:lnR>
-                    <a:lnT w="9525" cap="flat" cmpd="sng">
-                      <a:solidFill>
-                        <a:schemeClr val="dk1"/>
-                      </a:solidFill>
-                      <a:prstDash val="solid"/>
-                      <a:round/>
-                      <a:headEnd type="none" w="sm" len="sm"/>
-                      <a:tailEnd type="none" w="sm" len="sm"/>
-                    </a:lnT>
-                    <a:lnB w="9525" cap="flat" cmpd="sng">
-                      <a:solidFill>
-                        <a:schemeClr val="dk1"/>
-                      </a:solidFill>
-                      <a:prstDash val="solid"/>
-                      <a:round/>
-                      <a:headEnd type="none" w="sm" len="sm"/>
-                      <a:tailEnd type="none" w="sm" len="sm"/>
-                    </a:lnB>
-                  </a:tcPr>
-                </a:tc>
-                <a:tc>
-                  <a:txBody>
-                    <a:bodyPr/>
-                    <a:lstStyle/>
-                    <a:p>
-                      <a:pPr marL="0" lvl="0" indent="0" algn="ctr" rtl="0">
-                        <a:spcBef>
-                          <a:spcPts val="0"/>
-                        </a:spcBef>
-                        <a:spcAft>
-                          <a:spcPts val="0"/>
-                        </a:spcAft>
-                        <a:buNone/>
-                      </a:pPr>
-                      <a:r>
-                        <a:rPr lang="en" sz="700" b="1"/>
-                        <a:t>Smoking_status</a:t>
-                      </a:r>
-                      <a:endParaRPr sz="700" b="1"/>
-                    </a:p>
-                  </a:txBody>
-                  <a:tcPr marL="91425" marR="91425" marT="91425" marB="91425">
-                    <a:lnL w="38100" cap="flat" cmpd="sng">
-                      <a:solidFill>
-                        <a:schemeClr val="dk1"/>
-                      </a:solidFill>
-                      <a:prstDash val="solid"/>
-                      <a:round/>
-                      <a:headEnd type="none" w="sm" len="sm"/>
-                      <a:tailEnd type="none" w="sm" len="sm"/>
-                    </a:lnL>
-                    <a:lnR w="9525" cap="flat" cmpd="sng">
-                      <a:solidFill>
-                        <a:schemeClr val="dk1"/>
-                      </a:solidFill>
-                      <a:prstDash val="solid"/>
-                      <a:round/>
-                      <a:headEnd type="none" w="sm" len="sm"/>
-                      <a:tailEnd type="none" w="sm" len="sm"/>
-                    </a:lnR>
-                    <a:lnT w="9525" cap="flat" cmpd="sng">
-                      <a:solidFill>
-                        <a:schemeClr val="dk1"/>
-                      </a:solidFill>
-                      <a:prstDash val="solid"/>
-                      <a:round/>
-                      <a:headEnd type="none" w="sm" len="sm"/>
-                      <a:tailEnd type="none" w="sm" len="sm"/>
-                    </a:lnT>
-                    <a:lnB w="9525" cap="flat" cmpd="sng">
-                      <a:solidFill>
-                        <a:schemeClr val="dk1"/>
-                      </a:solidFill>
-                      <a:prstDash val="solid"/>
-                      <a:round/>
-                      <a:headEnd type="none" w="sm" len="sm"/>
-                      <a:tailEnd type="none" w="sm" len="sm"/>
-                    </a:lnB>
-                    <a:solidFill>
-                      <a:srgbClr val="C2C2C2"/>
-                    </a:solidFill>
-                  </a:tcPr>
-                </a:tc>
-                <a:tc>
-                  <a:txBody>
-                    <a:bodyPr/>
-                    <a:lstStyle/>
-                    <a:p>
-                      <a:pPr marL="0" lvl="0" indent="0" algn="ctr" rtl="0">
-                        <a:spcBef>
-                          <a:spcPts val="0"/>
-                        </a:spcBef>
-                        <a:spcAft>
-                          <a:spcPts val="0"/>
-                        </a:spcAft>
-                        <a:buNone/>
-                      </a:pPr>
-                      <a:r>
-                        <a:rPr lang="en" sz="700" b="1"/>
-                        <a:t>Smoker, Former, Never, or Unknown</a:t>
-                      </a:r>
-                      <a:endParaRPr sz="700" b="1"/>
+                      <a:endParaRPr sz="700" b="1" dirty="0"/>
                     </a:p>
                   </a:txBody>
                   <a:tcPr marL="91425" marR="91425" marT="91425" marB="91425">
@@ -37662,7 +37641,7 @@
                   </a:ext>
                 </a:extLst>
               </a:tr>
-              <a:tr h="304389">
+              <a:tr h="361751">
                 <a:tc>
                   <a:txBody>
                     <a:bodyPr/>
@@ -37679,7 +37658,7 @@
                       </a:pPr>
                       <a:r>
                         <a:rPr lang="en" sz="700" b="1" dirty="0"/>
-                        <a:t>Race</a:t>
+                        <a:t>Driving Experience</a:t>
                       </a:r>
                       <a:endParaRPr sz="700" b="1" dirty="0"/>
                     </a:p>
@@ -37741,10 +37720,10 @@
                         <a:buNone/>
                       </a:pPr>
                       <a:r>
-                        <a:rPr lang="en" sz="700" b="1"/>
-                        <a:t>0 (no) or 1 (yes)</a:t>
+                        <a:rPr lang="en" sz="700" b="1" dirty="0"/>
+                        <a:t>0-9, 10-19, 20-29, or 30+ years</a:t>
                       </a:r>
-                      <a:endParaRPr sz="700" b="1"/>
+                      <a:endParaRPr sz="700" b="1" dirty="0"/>
                     </a:p>
                   </a:txBody>
                   <a:tcPr marL="91425" marR="91425" marT="91425" marB="91425">
@@ -37801,10 +37780,10 @@
                         <a:buNone/>
                       </a:pPr>
                       <a:r>
-                        <a:rPr lang="en" sz="700" b="1"/>
-                        <a:t>Residence_type</a:t>
+                        <a:rPr lang="en" sz="700" b="1" dirty="0"/>
+                        <a:t>Married</a:t>
                       </a:r>
-                      <a:endParaRPr sz="700" b="1"/>
+                      <a:endParaRPr sz="700" b="1" dirty="0"/>
                     </a:p>
                   </a:txBody>
                   <a:tcPr marL="91425" marR="91425" marT="91425" marB="91425">
@@ -37864,10 +37843,9 @@
                         <a:buNone/>
                       </a:pPr>
                       <a:r>
-                        <a:rPr lang="en" sz="700" b="1"/>
-                        <a:t>Rural or Urban</a:t>
+                        <a:rPr lang="en-US" sz="700" b="1" dirty="0"/>
+                        <a:t>0 (no) or 1 (yes)</a:t>
                       </a:r>
-                      <a:endParaRPr sz="700" b="1"/>
                     </a:p>
                   </a:txBody>
                   <a:tcPr marL="91425" marR="91425" marT="91425" marB="91425">
@@ -37923,6 +37901,10 @@
                         </a:spcAft>
                         <a:buNone/>
                       </a:pPr>
+                      <a:r>
+                        <a:rPr lang="en-US" sz="700" b="1" dirty="0"/>
+                        <a:t>DUIs</a:t>
+                      </a:r>
                       <a:endParaRPr sz="700" b="1" dirty="0"/>
                     </a:p>
                   </a:txBody>
@@ -37982,6 +37964,10 @@
                         </a:spcAft>
                         <a:buNone/>
                       </a:pPr>
+                      <a:r>
+                        <a:rPr lang="en-US" sz="700" b="1" dirty="0"/>
+                        <a:t>Numerical Frequency</a:t>
+                      </a:r>
                       <a:endParaRPr sz="700" b="1" dirty="0"/>
                     </a:p>
                   </a:txBody>
@@ -38030,7 +38016,7 @@
                   </a:ext>
                 </a:extLst>
               </a:tr>
-              <a:tr h="304389">
+              <a:tr h="361751">
                 <a:tc>
                   <a:txBody>
                     <a:bodyPr/>
@@ -38045,6 +38031,10 @@
                         </a:spcAft>
                         <a:buNone/>
                       </a:pPr>
+                      <a:r>
+                        <a:rPr lang="en-US" sz="700" b="1" dirty="0"/>
+                        <a:t>Education</a:t>
+                      </a:r>
                       <a:endParaRPr sz="700" b="1" dirty="0"/>
                     </a:p>
                   </a:txBody>
@@ -38104,7 +38094,11 @@
                         </a:spcAft>
                         <a:buNone/>
                       </a:pPr>
-                      <a:endParaRPr sz="700" b="1"/>
+                      <a:r>
+                        <a:rPr lang="en-US" sz="700" b="1" dirty="0"/>
+                        <a:t>High School, University, or None</a:t>
+                      </a:r>
+                      <a:endParaRPr sz="700" b="1" dirty="0"/>
                     </a:p>
                   </a:txBody>
                   <a:tcPr marL="91425" marR="91425" marT="91425" marB="91425">
@@ -38160,7 +38154,11 @@
                         </a:spcAft>
                         <a:buNone/>
                       </a:pPr>
-                      <a:endParaRPr sz="700" b="1"/>
+                      <a:r>
+                        <a:rPr lang="en-US" sz="700" b="1" dirty="0"/>
+                        <a:t>Children</a:t>
+                      </a:r>
+                      <a:endParaRPr sz="700" b="1" dirty="0"/>
                     </a:p>
                   </a:txBody>
                   <a:tcPr marL="91425" marR="91425" marT="91425" marB="91425">
@@ -38210,16 +38208,29 @@
                     <a:bodyPr/>
                     <a:lstStyle/>
                     <a:p>
-                      <a:pPr marL="0" lvl="0" indent="0" algn="ctr" rtl="0">
+                      <a:pPr marL="0" marR="0" lvl="0" indent="0" algn="ctr" defTabSz="914400" rtl="0" eaLnBrk="1" fontAlgn="auto" latinLnBrk="0" hangingPunct="1">
+                        <a:lnSpc>
+                          <a:spcPct val="100000"/>
+                        </a:lnSpc>
                         <a:spcBef>
                           <a:spcPts val="0"/>
                         </a:spcBef>
                         <a:spcAft>
                           <a:spcPts val="0"/>
                         </a:spcAft>
+                        <a:buClr>
+                          <a:srgbClr val="000000"/>
+                        </a:buClr>
+                        <a:buSzTx/>
+                        <a:buFont typeface="Arial"/>
                         <a:buNone/>
+                        <a:tabLst/>
+                        <a:defRPr/>
                       </a:pPr>
-                      <a:endParaRPr sz="700" b="1"/>
+                      <a:r>
+                        <a:rPr lang="en-US" sz="700" b="1" dirty="0"/>
+                        <a:t>0 (no) or 1 (yes)</a:t>
+                      </a:r>
                     </a:p>
                   </a:txBody>
                   <a:tcPr marL="91425" marR="91425" marT="91425" marB="91425">
@@ -38275,6 +38286,10 @@
                         </a:spcAft>
                         <a:buNone/>
                       </a:pPr>
+                      <a:r>
+                        <a:rPr lang="en-US" sz="700" b="1" dirty="0"/>
+                        <a:t>Past Accidents</a:t>
+                      </a:r>
                       <a:endParaRPr sz="700" b="1" dirty="0"/>
                     </a:p>
                   </a:txBody>
@@ -38334,6 +38349,10 @@
                         </a:spcAft>
                         <a:buNone/>
                       </a:pPr>
+                      <a:r>
+                        <a:rPr lang="en-US" sz="700" b="1" dirty="0"/>
+                        <a:t>Numerical Frequency</a:t>
+                      </a:r>
                       <a:endParaRPr sz="700" b="1" dirty="0"/>
                     </a:p>
                   </a:txBody>
@@ -38382,7 +38401,7 @@
                   </a:ext>
                 </a:extLst>
               </a:tr>
-              <a:tr h="304389">
+              <a:tr h="459153">
                 <a:tc>
                   <a:txBody>
                     <a:bodyPr/>
@@ -38397,6 +38416,10 @@
                         </a:spcAft>
                         <a:buNone/>
                       </a:pPr>
+                      <a:r>
+                        <a:rPr lang="en-US" sz="700" b="1" dirty="0"/>
+                        <a:t>Income</a:t>
+                      </a:r>
                       <a:endParaRPr sz="700" b="1" dirty="0"/>
                     </a:p>
                   </a:txBody>
@@ -38456,7 +38479,11 @@
                         </a:spcAft>
                         <a:buNone/>
                       </a:pPr>
-                      <a:endParaRPr sz="700" b="1"/>
+                      <a:r>
+                        <a:rPr lang="en-US" sz="700" b="1" dirty="0"/>
+                        <a:t>Poverty, Working Class, Middle Class, or Upper Class</a:t>
+                      </a:r>
+                      <a:endParaRPr sz="700" b="1" dirty="0"/>
                     </a:p>
                   </a:txBody>
                   <a:tcPr marL="91425" marR="91425" marT="91425" marB="91425">
@@ -38512,7 +38539,11 @@
                         </a:spcAft>
                         <a:buNone/>
                       </a:pPr>
-                      <a:endParaRPr sz="700" b="1"/>
+                      <a:r>
+                        <a:rPr lang="en-US" sz="700" b="1" dirty="0"/>
+                        <a:t>Postal Code</a:t>
+                      </a:r>
+                      <a:endParaRPr sz="700" b="1" dirty="0"/>
                     </a:p>
                   </a:txBody>
                   <a:tcPr marL="91425" marR="91425" marT="91425" marB="91425">
@@ -38571,7 +38602,11 @@
                         </a:spcAft>
                         <a:buNone/>
                       </a:pPr>
-                      <a:endParaRPr sz="700" b="1"/>
+                      <a:r>
+                        <a:rPr lang="en-US" sz="700" b="1" dirty="0"/>
+                        <a:t>10238, 21217, 32765, or 92101</a:t>
+                      </a:r>
+                      <a:endParaRPr sz="700" b="1" dirty="0"/>
                     </a:p>
                   </a:txBody>
                   <a:tcPr marL="91425" marR="91425" marT="91425" marB="91425">
@@ -38627,7 +38662,11 @@
                         </a:spcAft>
                         <a:buNone/>
                       </a:pPr>
-                      <a:endParaRPr sz="700" b="1"/>
+                      <a:r>
+                        <a:rPr lang="en-US" sz="700" b="1" dirty="0"/>
+                        <a:t>Outcome</a:t>
+                      </a:r>
+                      <a:endParaRPr sz="700" b="1" dirty="0"/>
                     </a:p>
                   </a:txBody>
                   <a:tcPr marL="91425" marR="91425" marT="91425" marB="91425">
@@ -38677,16 +38716,29 @@
                     <a:bodyPr/>
                     <a:lstStyle/>
                     <a:p>
-                      <a:pPr marL="0" lvl="0" indent="0" algn="ctr" rtl="0">
+                      <a:pPr marL="0" marR="0" lvl="0" indent="0" algn="ctr" defTabSz="914400" rtl="0" eaLnBrk="1" fontAlgn="auto" latinLnBrk="0" hangingPunct="1">
+                        <a:lnSpc>
+                          <a:spcPct val="100000"/>
+                        </a:lnSpc>
                         <a:spcBef>
                           <a:spcPts val="0"/>
                         </a:spcBef>
                         <a:spcAft>
                           <a:spcPts val="0"/>
                         </a:spcAft>
+                        <a:buClr>
+                          <a:srgbClr val="000000"/>
+                        </a:buClr>
+                        <a:buSzTx/>
+                        <a:buFont typeface="Arial"/>
                         <a:buNone/>
+                        <a:tabLst/>
+                        <a:defRPr/>
                       </a:pPr>
-                      <a:endParaRPr sz="700" b="1" dirty="0"/>
+                      <a:r>
+                        <a:rPr lang="en-US" sz="700" b="1" dirty="0"/>
+                        <a:t>0 (no) or 1 (yes)</a:t>
+                      </a:r>
                     </a:p>
                   </a:txBody>
                   <a:tcPr marL="91425" marR="91425" marT="91425" marB="91425">
@@ -38906,10 +38958,10 @@
               <a:buNone/>
             </a:pPr>
             <a:r>
-              <a:rPr lang="en"/>
-              <a:t>Stakeholders</a:t>
+              <a:rPr lang="en" dirty="0"/>
+              <a:t>Stakeholder</a:t>
             </a:r>
-            <a:endParaRPr/>
+            <a:endParaRPr dirty="0"/>
           </a:p>
         </p:txBody>
       </p:sp>

--- a/Car Insurance - Numann Malik.pptx
+++ b/Car Insurance - Numann Malik.pptx
@@ -283,6 +283,11 @@
       </a:defRPr>
     </a:lvl9pPr>
   </p:defaultTextStyle>
+  <p:extLst>
+    <p:ext uri="{EFAFB233-063F-42B5-8137-9DF3F51BA10A}">
+      <p15:sldGuideLst xmlns:p15="http://schemas.microsoft.com/office/powerpoint/2012/main"/>
+    </p:ext>
+  </p:extLst>
 </p:presentation>
 </file>
 
@@ -1339,7 +1344,7 @@
               </a:spcAft>
               <a:buNone/>
             </a:pPr>
-            <a:endParaRPr/>
+            <a:endParaRPr dirty="0"/>
           </a:p>
         </p:txBody>
       </p:sp>
@@ -35638,8 +35643,8 @@
         </p:nvSpPr>
         <p:spPr>
           <a:xfrm>
-            <a:off x="720000" y="1227575"/>
-            <a:ext cx="4068000" cy="3106200"/>
+            <a:off x="470263" y="1516075"/>
+            <a:ext cx="4335154" cy="3106200"/>
           </a:xfrm>
           <a:prstGeom prst="rect">
             <a:avLst/>
@@ -35655,14 +35660,15 @@
           </a:bodyPr>
           <a:lstStyle/>
           <a:p>
-            <a:pPr marL="0" lvl="0" indent="0" algn="l" rtl="0">
-              <a:spcBef>
-                <a:spcPts val="0"/>
-              </a:spcBef>
-              <a:spcAft>
-                <a:spcPts val="0"/>
-              </a:spcAft>
-              <a:buNone/>
+            <a:pPr marL="285750" lvl="0" indent="-285750" algn="l" rtl="0">
+              <a:spcBef>
+                <a:spcPts val="0"/>
+              </a:spcBef>
+              <a:spcAft>
+                <a:spcPts val="0"/>
+              </a:spcAft>
+              <a:buFont typeface="Arial" panose="020B0604020202020204" pitchFamily="34" charset="0"/>
+              <a:buChar char="•"/>
             </a:pPr>
             <a:r>
               <a:rPr lang="en-US" sz="1600" b="0" i="0" dirty="0">
@@ -35672,7 +35678,29 @@
                 <a:effectLst/>
                 <a:latin typeface="Roboto" panose="02000000000000000000" pitchFamily="2" charset="0"/>
               </a:rPr>
-              <a:t>We analyzed behavioral data for the customers of a car insurance company. The goal was to identify key factors </a:t>
+              <a:t>We analyzed behavioral data for the customers of a car insurance company.</a:t>
+            </a:r>
+          </a:p>
+          <a:p>
+            <a:pPr marL="285750" lvl="0" indent="-285750" algn="l" rtl="0">
+              <a:spcBef>
+                <a:spcPts val="0"/>
+              </a:spcBef>
+              <a:spcAft>
+                <a:spcPts val="0"/>
+              </a:spcAft>
+              <a:buFont typeface="Arial" panose="020B0604020202020204" pitchFamily="34" charset="0"/>
+              <a:buChar char="•"/>
+            </a:pPr>
+            <a:r>
+              <a:rPr lang="en-US" sz="1600" b="0" i="0" dirty="0">
+                <a:solidFill>
+                  <a:schemeClr val="tx1"/>
+                </a:solidFill>
+                <a:effectLst/>
+                <a:latin typeface="Roboto" panose="02000000000000000000" pitchFamily="2" charset="0"/>
+              </a:rPr>
+              <a:t>The goal was to identify key factors </a:t>
             </a:r>
             <a:r>
               <a:rPr lang="en-US" sz="1600" dirty="0">
@@ -35691,17 +35719,30 @@
                 <a:effectLst/>
                 <a:latin typeface="Roboto" panose="02000000000000000000" pitchFamily="2" charset="0"/>
               </a:rPr>
-              <a:t>hat are more likely to lead a customer to filing an insurance claim (e.g. for an accident). Our stakeholder would want to determine in particular, which customers are more accident prone and hence likely to file a claim, and hence either raise their premiums or consider denying them coverage (so as to maximize their profits or minimize their losses).</a:t>
+              <a:t>hat are more likely to lead a customer to filing an insurance claim (e.g. for an accident).</a:t>
             </a:r>
-            <a:endParaRPr sz="1200" b="1" dirty="0">
-              <a:solidFill>
-                <a:schemeClr val="tx1"/>
-              </a:solidFill>
-              <a:latin typeface="Chivo"/>
-              <a:ea typeface="Chivo"/>
-              <a:cs typeface="Chivo"/>
-              <a:sym typeface="Chivo"/>
-            </a:endParaRPr>
+          </a:p>
+          <a:p>
+            <a:pPr marL="285750" lvl="0" indent="-285750" algn="l" rtl="0">
+              <a:spcBef>
+                <a:spcPts val="0"/>
+              </a:spcBef>
+              <a:spcAft>
+                <a:spcPts val="0"/>
+              </a:spcAft>
+              <a:buFont typeface="Arial" panose="020B0604020202020204" pitchFamily="34" charset="0"/>
+              <a:buChar char="•"/>
+            </a:pPr>
+            <a:r>
+              <a:rPr lang="en-US" sz="1600" b="0" i="0" dirty="0">
+                <a:solidFill>
+                  <a:schemeClr val="tx1"/>
+                </a:solidFill>
+                <a:effectLst/>
+                <a:latin typeface="Roboto" panose="02000000000000000000" pitchFamily="2" charset="0"/>
+              </a:rPr>
+              <a:t>Our stakeholder would want to determine in particular, which customers are more accident prone and hence likely to file a claim.</a:t>
+            </a:r>
           </a:p>
         </p:txBody>
       </p:sp>
@@ -38882,44 +38923,57 @@
           </a:bodyPr>
           <a:lstStyle/>
           <a:p>
-            <a:pPr marL="0" lvl="0" indent="0" algn="ctr" rtl="0">
-              <a:spcBef>
-                <a:spcPts val="0"/>
-              </a:spcBef>
-              <a:spcAft>
-                <a:spcPts val="0"/>
-              </a:spcAft>
-              <a:buNone/>
+            <a:pPr marL="285750" lvl="0" indent="-285750" algn="l" rtl="0">
+              <a:spcBef>
+                <a:spcPts val="0"/>
+              </a:spcBef>
+              <a:spcAft>
+                <a:spcPts val="0"/>
+              </a:spcAft>
+              <a:buFont typeface="Arial" panose="020B0604020202020204" pitchFamily="34" charset="0"/>
+              <a:buChar char="•"/>
             </a:pPr>
             <a:r>
-              <a:rPr lang="en" b="1" dirty="0"/>
-              <a:t>Our analysis will be utilized by a car insurance company in order to assist with deciding which potential customers to provide coverage to, and how much to charge for their premiums. </a:t>
+              <a:rPr lang="en" sz="1600" dirty="0"/>
+              <a:t>Our analysis will be utilized by a car insurance company </a:t>
             </a:r>
-            <a:endParaRPr b="1" dirty="0"/>
           </a:p>
           <a:p>
-            <a:pPr marL="0" lvl="0" indent="0" algn="ctr" rtl="0">
-              <a:spcBef>
-                <a:spcPts val="1600"/>
-              </a:spcBef>
-              <a:spcAft>
-                <a:spcPts val="1600"/>
-              </a:spcAft>
-              <a:buNone/>
+            <a:pPr marL="285750" lvl="0" indent="-285750" algn="l" rtl="0">
+              <a:spcBef>
+                <a:spcPts val="0"/>
+              </a:spcBef>
+              <a:spcAft>
+                <a:spcPts val="0"/>
+              </a:spcAft>
+              <a:buFont typeface="Arial" panose="020B0604020202020204" pitchFamily="34" charset="0"/>
+              <a:buChar char="•"/>
             </a:pPr>
             <a:r>
-              <a:rPr lang="en" b="1" dirty="0"/>
-              <a:t>Covering the cost of road accidents can be very expensive. Therefore, it is very important to investigate the history of current/former customers to predict who who to grant cover</a:t>
+              <a:rPr lang="en" sz="1600" dirty="0"/>
+              <a:t>This is to assist with deciding which potential customers to provide coverage to, and how much to charge for their premiums. </a:t>
+            </a:r>
+          </a:p>
+          <a:p>
+            <a:pPr marL="285750" lvl="0" indent="-285750" algn="l" rtl="0">
+              <a:spcBef>
+                <a:spcPts val="0"/>
+              </a:spcBef>
+              <a:spcAft>
+                <a:spcPts val="0"/>
+              </a:spcAft>
+              <a:buFont typeface="Arial" panose="020B0604020202020204" pitchFamily="34" charset="0"/>
+              <a:buChar char="•"/>
+            </a:pPr>
+            <a:r>
+              <a:rPr lang="en" sz="1600" dirty="0"/>
+              <a:t>Covering the cost of road accidents can be very expensive. Therefore, it is very important to investigate the history of current/former customers</a:t>
             </a:r>
             <a:r>
-              <a:rPr lang="en-US" b="1" dirty="0"/>
-              <a:t>ag</a:t>
+              <a:rPr lang="en-US" sz="1600" dirty="0"/>
+              <a:t>.</a:t>
             </a:r>
-            <a:r>
-              <a:rPr lang="en" b="1" dirty="0"/>
-              <a:t>e to.</a:t>
-            </a:r>
-            <a:endParaRPr b="1" dirty="0"/>
+            <a:endParaRPr sz="1600" dirty="0"/>
           </a:p>
         </p:txBody>
       </p:sp>
@@ -39246,6 +39300,10 @@
           </a:bodyPr>
           <a:lstStyle/>
           <a:p>
+            <a:pPr marL="285750" indent="-285750">
+              <a:buFont typeface="Arial" panose="020B0604020202020204" pitchFamily="34" charset="0"/>
+              <a:buChar char="•"/>
+            </a:pPr>
             <a:r>
               <a:rPr lang="en-US" i="0" dirty="0">
                 <a:solidFill>
@@ -39254,7 +39312,57 @@
                 <a:effectLst/>
                 <a:latin typeface="+mn-lt"/>
               </a:rPr>
-              <a:t>Above we see that over 80% of customers who have never made an insurance claim owned their vehicle, while less than half have made a claim - supporting evidence that those who lease their vehicles are more likely to file claims with their insurance company.</a:t>
+              <a:t>Over 80% of customers who have never made an insurance claim owned their vehicle</a:t>
+            </a:r>
+          </a:p>
+          <a:p>
+            <a:pPr marL="285750" indent="-285750">
+              <a:buFont typeface="Arial" panose="020B0604020202020204" pitchFamily="34" charset="0"/>
+              <a:buChar char="•"/>
+            </a:pPr>
+            <a:r>
+              <a:rPr lang="en-US" dirty="0">
+                <a:solidFill>
+                  <a:schemeClr val="tx1"/>
+                </a:solidFill>
+                <a:latin typeface="+mn-lt"/>
+              </a:rPr>
+              <a:t>More</a:t>
+            </a:r>
+            <a:r>
+              <a:rPr lang="en-US" i="0" dirty="0">
+                <a:solidFill>
+                  <a:schemeClr val="tx1"/>
+                </a:solidFill>
+                <a:effectLst/>
+                <a:latin typeface="+mn-lt"/>
+              </a:rPr>
+              <a:t> than half of customers who don’t own a vehicle made a claim</a:t>
+            </a:r>
+          </a:p>
+          <a:p>
+            <a:pPr marL="285750" indent="-285750">
+              <a:buFont typeface="Arial" panose="020B0604020202020204" pitchFamily="34" charset="0"/>
+              <a:buChar char="•"/>
+            </a:pPr>
+            <a:r>
+              <a:rPr lang="en-US" dirty="0">
+                <a:solidFill>
+                  <a:schemeClr val="tx1"/>
+                </a:solidFill>
+                <a:latin typeface="+mn-lt"/>
+              </a:rPr>
+              <a:t>S</a:t>
+            </a:r>
+            <a:r>
+              <a:rPr lang="en-US" i="0" dirty="0">
+                <a:solidFill>
+                  <a:schemeClr val="tx1"/>
+                </a:solidFill>
+                <a:effectLst/>
+                <a:latin typeface="+mn-lt"/>
+              </a:rPr>
+              <a:t>upporting evidence that those who lease their vehicles are more likely to file claims</a:t>
             </a:r>
             <a:endParaRPr lang="en-US" dirty="0">
               <a:solidFill>
@@ -39396,7 +39504,7 @@
         </p:blipFill>
         <p:spPr>
           <a:xfrm>
-            <a:off x="2673350" y="1187450"/>
+            <a:off x="2673350" y="983950"/>
             <a:ext cx="3488676" cy="2444750"/>
           </a:xfrm>
           <a:prstGeom prst="rect">
@@ -39418,8 +39526,8 @@
         </p:nvSpPr>
         <p:spPr>
           <a:xfrm>
-            <a:off x="931333" y="3750733"/>
-            <a:ext cx="7569200" cy="738664"/>
+            <a:off x="633088" y="3835700"/>
+            <a:ext cx="7879976" cy="523220"/>
           </a:xfrm>
           <a:prstGeom prst="rect">
             <a:avLst/>
@@ -39432,9 +39540,23 @@
           </a:bodyPr>
           <a:lstStyle/>
           <a:p>
+            <a:pPr marL="285750" indent="-285750">
+              <a:buFont typeface="Arial" panose="020B0604020202020204" pitchFamily="34" charset="0"/>
+              <a:buChar char="•"/>
+            </a:pPr>
             <a:r>
               <a:rPr lang="en-US" dirty="0"/>
-              <a:t>From the above we can see there is a positive correlation between the number of past accidents and speeding violations. This would indicate that we should determine both for each potential customer before deciding to grant any coverage.</a:t>
+              <a:t>There is a positive correlation between the number of past accidents and speeding violations.</a:t>
+            </a:r>
+          </a:p>
+          <a:p>
+            <a:pPr marL="285750" indent="-285750">
+              <a:buFont typeface="Arial" panose="020B0604020202020204" pitchFamily="34" charset="0"/>
+              <a:buChar char="•"/>
+            </a:pPr>
+            <a:r>
+              <a:rPr lang="en-US" dirty="0"/>
+              <a:t>We should determine both for each potential customer before deciding to grant any coverage.</a:t>
             </a:r>
           </a:p>
         </p:txBody>
@@ -39499,10 +39621,10 @@
               <a:buNone/>
             </a:pPr>
             <a:r>
-              <a:rPr lang="en"/>
-              <a:t>Model Evaluation</a:t>
+              <a:rPr lang="en" dirty="0"/>
+              <a:t>Model Development</a:t>
             </a:r>
-            <a:endParaRPr/>
+            <a:endParaRPr dirty="0"/>
           </a:p>
         </p:txBody>
       </p:sp>
@@ -39560,8 +39682,8 @@
         </p:nvSpPr>
         <p:spPr>
           <a:xfrm>
-            <a:off x="3715200" y="1472100"/>
-            <a:ext cx="4708800" cy="2199300"/>
+            <a:off x="505097" y="1472100"/>
+            <a:ext cx="4423954" cy="2577386"/>
           </a:xfrm>
           <a:prstGeom prst="rect">
             <a:avLst/>
@@ -39573,7 +39695,7 @@
           </a:bodyPr>
           <a:lstStyle/>
           <a:p>
-            <a:pPr marL="457200" lvl="0" indent="-304800" algn="l" rtl="0">
+            <a:pPr marL="152400" lvl="0" indent="0" algn="l" rtl="0">
               <a:spcBef>
                 <a:spcPts val="0"/>
               </a:spcBef>
@@ -39581,25 +39703,132 @@
                 <a:spcPts val="0"/>
               </a:spcAft>
               <a:buSzPts val="1200"/>
-              <a:buChar char="-"/>
             </a:pPr>
             <a:r>
-              <a:rPr lang="en-US" sz="1200" b="1" dirty="0"/>
-              <a:t>Metrics to be added</a:t>
+              <a:rPr lang="en-US" u="sng" dirty="0"/>
+              <a:t>Several Models were evaluated on the dataset:</a:t>
             </a:r>
-            <a:endParaRPr sz="1200" b="1" dirty="0"/>
           </a:p>
           <a:p>
-            <a:pPr marL="0" lvl="0" indent="0" algn="ctr" rtl="0">
-              <a:spcBef>
-                <a:spcPts val="0"/>
-              </a:spcBef>
-              <a:spcAft>
-                <a:spcPts val="0"/>
-              </a:spcAft>
-              <a:buNone/>
+            <a:pPr marL="323850" lvl="0" indent="-171450" algn="l" rtl="0">
+              <a:spcBef>
+                <a:spcPts val="0"/>
+              </a:spcBef>
+              <a:spcAft>
+                <a:spcPts val="0"/>
+              </a:spcAft>
+              <a:buSzPts val="1200"/>
+              <a:buFont typeface="Arial" panose="020B0604020202020204" pitchFamily="34" charset="0"/>
+              <a:buChar char="•"/>
             </a:pPr>
-            <a:endParaRPr sz="1200" b="1" dirty="0"/>
+            <a:r>
+              <a:rPr lang="en-US" dirty="0"/>
+              <a:t>Decision Tree Classification</a:t>
+            </a:r>
+          </a:p>
+          <a:p>
+            <a:pPr marL="323850" lvl="0" indent="-171450" algn="l" rtl="0">
+              <a:spcBef>
+                <a:spcPts val="0"/>
+              </a:spcBef>
+              <a:spcAft>
+                <a:spcPts val="0"/>
+              </a:spcAft>
+              <a:buSzPts val="1200"/>
+              <a:buFont typeface="Arial" panose="020B0604020202020204" pitchFamily="34" charset="0"/>
+              <a:buChar char="•"/>
+            </a:pPr>
+            <a:r>
+              <a:rPr lang="en-US" dirty="0"/>
+              <a:t>Random Forest Classification</a:t>
+            </a:r>
+          </a:p>
+          <a:p>
+            <a:pPr marL="323850" lvl="0" indent="-171450" algn="l" rtl="0">
+              <a:spcBef>
+                <a:spcPts val="0"/>
+              </a:spcBef>
+              <a:spcAft>
+                <a:spcPts val="0"/>
+              </a:spcAft>
+              <a:buSzPts val="1200"/>
+              <a:buFont typeface="Arial" panose="020B0604020202020204" pitchFamily="34" charset="0"/>
+              <a:buChar char="•"/>
+            </a:pPr>
+            <a:r>
+              <a:rPr lang="en-US" dirty="0"/>
+              <a:t>K-Nearest Neighbors Algorithm</a:t>
+            </a:r>
+          </a:p>
+          <a:p>
+            <a:pPr marL="323850" lvl="0" indent="-171450" algn="l" rtl="0">
+              <a:spcBef>
+                <a:spcPts val="0"/>
+              </a:spcBef>
+              <a:spcAft>
+                <a:spcPts val="0"/>
+              </a:spcAft>
+              <a:buSzPts val="1200"/>
+              <a:buFont typeface="Arial" panose="020B0604020202020204" pitchFamily="34" charset="0"/>
+              <a:buChar char="•"/>
+            </a:pPr>
+            <a:r>
+              <a:rPr lang="en-US" dirty="0"/>
+              <a:t>Logistic Regression</a:t>
+            </a:r>
+          </a:p>
+          <a:p>
+            <a:pPr marL="323850" lvl="0" indent="-171450" algn="l" rtl="0">
+              <a:spcBef>
+                <a:spcPts val="0"/>
+              </a:spcBef>
+              <a:spcAft>
+                <a:spcPts val="0"/>
+              </a:spcAft>
+              <a:buSzPts val="1200"/>
+              <a:buFont typeface="Arial" panose="020B0604020202020204" pitchFamily="34" charset="0"/>
+              <a:buChar char="•"/>
+            </a:pPr>
+            <a:r>
+              <a:rPr lang="en-US" dirty="0"/>
+              <a:t>Gradient Boosting</a:t>
+            </a:r>
+          </a:p>
+          <a:p>
+            <a:pPr marL="323850" lvl="0" indent="-171450" algn="l" rtl="0">
+              <a:spcBef>
+                <a:spcPts val="0"/>
+              </a:spcBef>
+              <a:spcAft>
+                <a:spcPts val="0"/>
+              </a:spcAft>
+              <a:buSzPts val="1200"/>
+              <a:buFont typeface="Arial" panose="020B0604020202020204" pitchFamily="34" charset="0"/>
+              <a:buChar char="•"/>
+            </a:pPr>
+            <a:r>
+              <a:rPr lang="en-US" dirty="0" err="1"/>
+              <a:t>LightGBM</a:t>
+            </a:r>
+            <a:endParaRPr lang="en-US" dirty="0"/>
+          </a:p>
+          <a:p>
+            <a:pPr marL="323850" lvl="0" indent="-171450" algn="l" rtl="0">
+              <a:spcBef>
+                <a:spcPts val="0"/>
+              </a:spcBef>
+              <a:spcAft>
+                <a:spcPts val="0"/>
+              </a:spcAft>
+              <a:buSzPts val="1200"/>
+              <a:buFont typeface="Arial" panose="020B0604020202020204" pitchFamily="34" charset="0"/>
+              <a:buChar char="•"/>
+            </a:pPr>
+            <a:r>
+              <a:rPr lang="en-US" dirty="0" err="1"/>
+              <a:t>XGBoost</a:t>
+            </a:r>
+            <a:endParaRPr b="1" dirty="0"/>
           </a:p>
           <a:p>
             <a:pPr marL="0" lvl="0" indent="0" algn="ctr" rtl="0">
@@ -39615,6 +39844,413 @@
           </a:p>
         </p:txBody>
       </p:sp>
+      <p:sp>
+        <p:nvSpPr>
+          <p:cNvPr id="2" name="TextBox 1">
+            <a:extLst>
+              <a:ext uri="{FF2B5EF4-FFF2-40B4-BE49-F238E27FC236}">
+                <a16:creationId xmlns:a16="http://schemas.microsoft.com/office/drawing/2014/main" id="{62992A16-0B79-9786-4993-14AD055C3839}"/>
+              </a:ext>
+            </a:extLst>
+          </p:cNvPr>
+          <p:cNvSpPr txBox="1"/>
+          <p:nvPr/>
+        </p:nvSpPr>
+        <p:spPr>
+          <a:xfrm>
+            <a:off x="4929051" y="1550126"/>
+            <a:ext cx="3788229" cy="1384995"/>
+          </a:xfrm>
+          <a:prstGeom prst="rect">
+            <a:avLst/>
+          </a:prstGeom>
+          <a:noFill/>
+        </p:spPr>
+        <p:txBody>
+          <a:bodyPr wrap="square" rtlCol="0">
+            <a:spAutoFit/>
+          </a:bodyPr>
+          <a:lstStyle/>
+          <a:p>
+            <a:pPr marL="152400" lvl="0" indent="0" algn="l" rtl="0">
+              <a:spcBef>
+                <a:spcPts val="0"/>
+              </a:spcBef>
+              <a:spcAft>
+                <a:spcPts val="0"/>
+              </a:spcAft>
+              <a:buSzPts val="1200"/>
+            </a:pPr>
+            <a:r>
+              <a:rPr lang="en-US" sz="1400" u="sng" dirty="0"/>
+              <a:t>Multiple metrics were used for evaluation:</a:t>
+            </a:r>
+          </a:p>
+          <a:p>
+            <a:pPr marL="323850" lvl="0" indent="-171450" algn="l" rtl="0">
+              <a:spcBef>
+                <a:spcPts val="0"/>
+              </a:spcBef>
+              <a:spcAft>
+                <a:spcPts val="0"/>
+              </a:spcAft>
+              <a:buSzPts val="1200"/>
+              <a:buFont typeface="Arial" panose="020B0604020202020204" pitchFamily="34" charset="0"/>
+              <a:buChar char="•"/>
+            </a:pPr>
+            <a:r>
+              <a:rPr lang="en-US" sz="1400" dirty="0"/>
+              <a:t>Accuracy</a:t>
+            </a:r>
+          </a:p>
+          <a:p>
+            <a:pPr marL="323850" lvl="0" indent="-171450" algn="l" rtl="0">
+              <a:spcBef>
+                <a:spcPts val="0"/>
+              </a:spcBef>
+              <a:spcAft>
+                <a:spcPts val="0"/>
+              </a:spcAft>
+              <a:buSzPts val="1200"/>
+              <a:buFont typeface="Arial" panose="020B0604020202020204" pitchFamily="34" charset="0"/>
+              <a:buChar char="•"/>
+            </a:pPr>
+            <a:r>
+              <a:rPr lang="en-US" sz="1400" dirty="0"/>
+              <a:t>Precision</a:t>
+            </a:r>
+          </a:p>
+          <a:p>
+            <a:pPr marL="323850" lvl="0" indent="-171450" algn="l" rtl="0">
+              <a:spcBef>
+                <a:spcPts val="0"/>
+              </a:spcBef>
+              <a:spcAft>
+                <a:spcPts val="0"/>
+              </a:spcAft>
+              <a:buSzPts val="1200"/>
+              <a:buFont typeface="Arial" panose="020B0604020202020204" pitchFamily="34" charset="0"/>
+              <a:buChar char="•"/>
+            </a:pPr>
+            <a:r>
+              <a:rPr lang="en-US" sz="1400" dirty="0"/>
+              <a:t>Recall</a:t>
+            </a:r>
+          </a:p>
+          <a:p>
+            <a:pPr marL="323850" lvl="0" indent="-171450" algn="l" rtl="0">
+              <a:spcBef>
+                <a:spcPts val="0"/>
+              </a:spcBef>
+              <a:spcAft>
+                <a:spcPts val="0"/>
+              </a:spcAft>
+              <a:buSzPts val="1200"/>
+              <a:buFont typeface="Arial" panose="020B0604020202020204" pitchFamily="34" charset="0"/>
+              <a:buChar char="•"/>
+            </a:pPr>
+            <a:r>
+              <a:rPr lang="en-US" sz="1400" dirty="0"/>
+              <a:t>F1-score</a:t>
+            </a:r>
+          </a:p>
+          <a:p>
+            <a:endParaRPr lang="en-US" dirty="0"/>
+          </a:p>
+        </p:txBody>
+      </p:sp>
+      <p:cxnSp>
+        <p:nvCxnSpPr>
+          <p:cNvPr id="6" name="Straight Connector 5">
+            <a:extLst>
+              <a:ext uri="{FF2B5EF4-FFF2-40B4-BE49-F238E27FC236}">
+                <a16:creationId xmlns:a16="http://schemas.microsoft.com/office/drawing/2014/main" id="{E1A981B8-E1A0-A1B1-590A-3C2CDC27823D}"/>
+              </a:ext>
+            </a:extLst>
+          </p:cNvPr>
+          <p:cNvCxnSpPr/>
+          <p:nvPr/>
+        </p:nvCxnSpPr>
+        <p:spPr>
+          <a:xfrm>
+            <a:off x="600891" y="1306286"/>
+            <a:ext cx="4180115" cy="0"/>
+          </a:xfrm>
+          <a:prstGeom prst="line">
+            <a:avLst/>
+          </a:prstGeom>
+        </p:spPr>
+        <p:style>
+          <a:lnRef idx="1">
+            <a:schemeClr val="accent1"/>
+          </a:lnRef>
+          <a:fillRef idx="0">
+            <a:schemeClr val="accent1"/>
+          </a:fillRef>
+          <a:effectRef idx="0">
+            <a:schemeClr val="accent1"/>
+          </a:effectRef>
+          <a:fontRef idx="minor">
+            <a:schemeClr val="tx1"/>
+          </a:fontRef>
+        </p:style>
+      </p:cxnSp>
+      <p:cxnSp>
+        <p:nvCxnSpPr>
+          <p:cNvPr id="8" name="Straight Connector 7">
+            <a:extLst>
+              <a:ext uri="{FF2B5EF4-FFF2-40B4-BE49-F238E27FC236}">
+                <a16:creationId xmlns:a16="http://schemas.microsoft.com/office/drawing/2014/main" id="{5613CC9B-2F14-1CE8-6E92-2A6D486CD690}"/>
+              </a:ext>
+            </a:extLst>
+          </p:cNvPr>
+          <p:cNvCxnSpPr/>
+          <p:nvPr/>
+        </p:nvCxnSpPr>
+        <p:spPr>
+          <a:xfrm flipV="1">
+            <a:off x="600891" y="1306286"/>
+            <a:ext cx="0" cy="2220685"/>
+          </a:xfrm>
+          <a:prstGeom prst="line">
+            <a:avLst/>
+          </a:prstGeom>
+        </p:spPr>
+        <p:style>
+          <a:lnRef idx="1">
+            <a:schemeClr val="accent1"/>
+          </a:lnRef>
+          <a:fillRef idx="0">
+            <a:schemeClr val="accent1"/>
+          </a:fillRef>
+          <a:effectRef idx="0">
+            <a:schemeClr val="accent1"/>
+          </a:effectRef>
+          <a:fontRef idx="minor">
+            <a:schemeClr val="tx1"/>
+          </a:fontRef>
+        </p:style>
+      </p:cxnSp>
+      <p:cxnSp>
+        <p:nvCxnSpPr>
+          <p:cNvPr id="10" name="Straight Connector 9">
+            <a:extLst>
+              <a:ext uri="{FF2B5EF4-FFF2-40B4-BE49-F238E27FC236}">
+                <a16:creationId xmlns:a16="http://schemas.microsoft.com/office/drawing/2014/main" id="{1E1DCA5A-8341-425D-0CC6-63738E37F467}"/>
+              </a:ext>
+            </a:extLst>
+          </p:cNvPr>
+          <p:cNvCxnSpPr>
+            <a:cxnSpLocks/>
+          </p:cNvCxnSpPr>
+          <p:nvPr/>
+        </p:nvCxnSpPr>
+        <p:spPr>
+          <a:xfrm>
+            <a:off x="600891" y="3526971"/>
+            <a:ext cx="4180115" cy="26126"/>
+          </a:xfrm>
+          <a:prstGeom prst="line">
+            <a:avLst/>
+          </a:prstGeom>
+        </p:spPr>
+        <p:style>
+          <a:lnRef idx="1">
+            <a:schemeClr val="accent1"/>
+          </a:lnRef>
+          <a:fillRef idx="0">
+            <a:schemeClr val="accent1"/>
+          </a:fillRef>
+          <a:effectRef idx="0">
+            <a:schemeClr val="accent1"/>
+          </a:effectRef>
+          <a:fontRef idx="minor">
+            <a:schemeClr val="tx1"/>
+          </a:fontRef>
+        </p:style>
+      </p:cxnSp>
+      <p:cxnSp>
+        <p:nvCxnSpPr>
+          <p:cNvPr id="12" name="Straight Connector 11">
+            <a:extLst>
+              <a:ext uri="{FF2B5EF4-FFF2-40B4-BE49-F238E27FC236}">
+                <a16:creationId xmlns:a16="http://schemas.microsoft.com/office/drawing/2014/main" id="{CA7B9284-CAFD-995B-9688-CDC726A13A25}"/>
+              </a:ext>
+            </a:extLst>
+          </p:cNvPr>
+          <p:cNvCxnSpPr/>
+          <p:nvPr/>
+        </p:nvCxnSpPr>
+        <p:spPr>
+          <a:xfrm>
+            <a:off x="4781006" y="1306286"/>
+            <a:ext cx="0" cy="2255520"/>
+          </a:xfrm>
+          <a:prstGeom prst="line">
+            <a:avLst/>
+          </a:prstGeom>
+        </p:spPr>
+        <p:style>
+          <a:lnRef idx="1">
+            <a:schemeClr val="accent1"/>
+          </a:lnRef>
+          <a:fillRef idx="0">
+            <a:schemeClr val="accent1"/>
+          </a:fillRef>
+          <a:effectRef idx="0">
+            <a:schemeClr val="accent1"/>
+          </a:effectRef>
+          <a:fontRef idx="minor">
+            <a:schemeClr val="tx1"/>
+          </a:fontRef>
+        </p:style>
+      </p:cxnSp>
+      <p:cxnSp>
+        <p:nvCxnSpPr>
+          <p:cNvPr id="14" name="Straight Connector 13">
+            <a:extLst>
+              <a:ext uri="{FF2B5EF4-FFF2-40B4-BE49-F238E27FC236}">
+                <a16:creationId xmlns:a16="http://schemas.microsoft.com/office/drawing/2014/main" id="{169C7CFB-0DA3-B2B0-1072-F68408BF7986}"/>
+              </a:ext>
+            </a:extLst>
+          </p:cNvPr>
+          <p:cNvCxnSpPr/>
+          <p:nvPr/>
+        </p:nvCxnSpPr>
+        <p:spPr>
+          <a:xfrm>
+            <a:off x="5077097" y="1306286"/>
+            <a:ext cx="0" cy="2255520"/>
+          </a:xfrm>
+          <a:prstGeom prst="line">
+            <a:avLst/>
+          </a:prstGeom>
+        </p:spPr>
+        <p:style>
+          <a:lnRef idx="1">
+            <a:schemeClr val="accent1"/>
+          </a:lnRef>
+          <a:fillRef idx="0">
+            <a:schemeClr val="accent1"/>
+          </a:fillRef>
+          <a:effectRef idx="0">
+            <a:schemeClr val="accent1"/>
+          </a:effectRef>
+          <a:fontRef idx="minor">
+            <a:schemeClr val="tx1"/>
+          </a:fontRef>
+        </p:style>
+      </p:cxnSp>
+      <p:cxnSp>
+        <p:nvCxnSpPr>
+          <p:cNvPr id="16" name="Straight Connector 15">
+            <a:extLst>
+              <a:ext uri="{FF2B5EF4-FFF2-40B4-BE49-F238E27FC236}">
+                <a16:creationId xmlns:a16="http://schemas.microsoft.com/office/drawing/2014/main" id="{D4CBB2FC-DFA5-ABA1-F9F5-A35FB0BD3839}"/>
+              </a:ext>
+            </a:extLst>
+          </p:cNvPr>
+          <p:cNvCxnSpPr>
+            <a:cxnSpLocks/>
+          </p:cNvCxnSpPr>
+          <p:nvPr/>
+        </p:nvCxnSpPr>
+        <p:spPr>
+          <a:xfrm>
+            <a:off x="5077097" y="1306286"/>
+            <a:ext cx="3526972" cy="0"/>
+          </a:xfrm>
+          <a:prstGeom prst="line">
+            <a:avLst/>
+          </a:prstGeom>
+        </p:spPr>
+        <p:style>
+          <a:lnRef idx="1">
+            <a:schemeClr val="accent1"/>
+          </a:lnRef>
+          <a:fillRef idx="0">
+            <a:schemeClr val="accent1"/>
+          </a:fillRef>
+          <a:effectRef idx="0">
+            <a:schemeClr val="accent1"/>
+          </a:effectRef>
+          <a:fontRef idx="minor">
+            <a:schemeClr val="tx1"/>
+          </a:fontRef>
+        </p:style>
+      </p:cxnSp>
+      <p:cxnSp>
+        <p:nvCxnSpPr>
+          <p:cNvPr id="18" name="Straight Connector 17">
+            <a:extLst>
+              <a:ext uri="{FF2B5EF4-FFF2-40B4-BE49-F238E27FC236}">
+                <a16:creationId xmlns:a16="http://schemas.microsoft.com/office/drawing/2014/main" id="{1966856C-955D-E1BF-44BA-829528F9280B}"/>
+              </a:ext>
+            </a:extLst>
+          </p:cNvPr>
+          <p:cNvCxnSpPr/>
+          <p:nvPr/>
+        </p:nvCxnSpPr>
+        <p:spPr>
+          <a:xfrm>
+            <a:off x="5077097" y="3553097"/>
+            <a:ext cx="3526972" cy="8709"/>
+          </a:xfrm>
+          <a:prstGeom prst="line">
+            <a:avLst/>
+          </a:prstGeom>
+        </p:spPr>
+        <p:style>
+          <a:lnRef idx="1">
+            <a:schemeClr val="accent1"/>
+          </a:lnRef>
+          <a:fillRef idx="0">
+            <a:schemeClr val="accent1"/>
+          </a:fillRef>
+          <a:effectRef idx="0">
+            <a:schemeClr val="accent1"/>
+          </a:effectRef>
+          <a:fontRef idx="minor">
+            <a:schemeClr val="tx1"/>
+          </a:fontRef>
+        </p:style>
+      </p:cxnSp>
+      <p:cxnSp>
+        <p:nvCxnSpPr>
+          <p:cNvPr id="20" name="Straight Connector 19">
+            <a:extLst>
+              <a:ext uri="{FF2B5EF4-FFF2-40B4-BE49-F238E27FC236}">
+                <a16:creationId xmlns:a16="http://schemas.microsoft.com/office/drawing/2014/main" id="{F8918527-E02E-DB94-B4E2-7BF6612679DF}"/>
+              </a:ext>
+            </a:extLst>
+          </p:cNvPr>
+          <p:cNvCxnSpPr/>
+          <p:nvPr/>
+        </p:nvCxnSpPr>
+        <p:spPr>
+          <a:xfrm flipV="1">
+            <a:off x="8604069" y="1306286"/>
+            <a:ext cx="0" cy="2220685"/>
+          </a:xfrm>
+          <a:prstGeom prst="line">
+            <a:avLst/>
+          </a:prstGeom>
+        </p:spPr>
+        <p:style>
+          <a:lnRef idx="1">
+            <a:schemeClr val="accent1"/>
+          </a:lnRef>
+          <a:fillRef idx="0">
+            <a:schemeClr val="accent1"/>
+          </a:fillRef>
+          <a:effectRef idx="0">
+            <a:schemeClr val="accent1"/>
+          </a:effectRef>
+          <a:fontRef idx="minor">
+            <a:schemeClr val="tx1"/>
+          </a:fontRef>
+        </p:style>
+      </p:cxnSp>
     </p:spTree>
   </p:cSld>
   <p:clrMapOvr>
@@ -39736,8 +40372,8 @@
         </p:nvSpPr>
         <p:spPr>
           <a:xfrm>
-            <a:off x="3969000" y="1365000"/>
-            <a:ext cx="4708800" cy="3018000"/>
+            <a:off x="243841" y="2647406"/>
+            <a:ext cx="4519748" cy="1951323"/>
           </a:xfrm>
           <a:prstGeom prst="rect">
             <a:avLst/>
@@ -39760,22 +40396,57 @@
               <a:buChar char="-"/>
             </a:pPr>
             <a:r>
-              <a:rPr lang="en-US" sz="1200" b="1" dirty="0"/>
-              <a:t>Classification report and Confusion Matrix for best model will be added.</a:t>
+              <a:rPr lang="en-US" b="0" i="0" dirty="0">
+                <a:effectLst/>
+                <a:latin typeface="-apple-system"/>
+              </a:rPr>
+              <a:t>Our stakeholder, the car insurance company, will want the model that minimizes the proportion of false negatives.</a:t>
             </a:r>
-            <a:endParaRPr sz="1200" b="1" dirty="0"/>
           </a:p>
           <a:p>
-            <a:pPr marL="0" lvl="0" indent="0" algn="ctr" rtl="0">
-              <a:spcBef>
-                <a:spcPts val="0"/>
-              </a:spcBef>
-              <a:spcAft>
-                <a:spcPts val="0"/>
-              </a:spcAft>
-              <a:buNone/>
+            <a:pPr marL="457200" lvl="0" indent="-304800" algn="l" rtl="0">
+              <a:spcBef>
+                <a:spcPts val="0"/>
+              </a:spcBef>
+              <a:spcAft>
+                <a:spcPts val="0"/>
+              </a:spcAft>
+              <a:buSzPts val="1200"/>
+              <a:buChar char="-"/>
             </a:pPr>
-            <a:endParaRPr sz="1200" b="1" dirty="0"/>
+            <a:r>
+              <a:rPr lang="en-US" b="0" i="0" dirty="0">
+                <a:effectLst/>
+                <a:latin typeface="-apple-system"/>
+              </a:rPr>
+              <a:t>The reason is that it will cost more money to pay out for claims that were not accurately predicted.</a:t>
+            </a:r>
+          </a:p>
+          <a:p>
+            <a:pPr marL="457200" lvl="0" indent="-304800" algn="l" rtl="0">
+              <a:spcBef>
+                <a:spcPts val="0"/>
+              </a:spcBef>
+              <a:spcAft>
+                <a:spcPts val="0"/>
+              </a:spcAft>
+              <a:buSzPts val="1200"/>
+              <a:buChar char="-"/>
+            </a:pPr>
+            <a:r>
+              <a:rPr lang="en-US" dirty="0">
+                <a:latin typeface="-apple-system"/>
+              </a:rPr>
+              <a:t>Therefore, we mostly </a:t>
+            </a:r>
+            <a:r>
+              <a:rPr lang="en-US" b="0" i="0" dirty="0">
+                <a:effectLst/>
+                <a:latin typeface="-apple-system"/>
+              </a:rPr>
+              <a:t>we care about the recall score.</a:t>
+            </a:r>
+            <a:endParaRPr b="1" dirty="0"/>
           </a:p>
           <a:p>
             <a:pPr marL="0" lvl="0" indent="0" algn="ctr" rtl="0">
@@ -39791,6 +40462,66 @@
           </a:p>
         </p:txBody>
       </p:sp>
+      <p:pic>
+        <p:nvPicPr>
+          <p:cNvPr id="3" name="Picture 2">
+            <a:extLst>
+              <a:ext uri="{FF2B5EF4-FFF2-40B4-BE49-F238E27FC236}">
+                <a16:creationId xmlns:a16="http://schemas.microsoft.com/office/drawing/2014/main" id="{84217985-5085-B949-F447-25E8E2015ED5}"/>
+              </a:ext>
+            </a:extLst>
+          </p:cNvPr>
+          <p:cNvPicPr>
+            <a:picLocks noChangeAspect="1"/>
+          </p:cNvPicPr>
+          <p:nvPr/>
+        </p:nvPicPr>
+        <p:blipFill>
+          <a:blip r:embed="rId3"/>
+          <a:stretch>
+            <a:fillRect/>
+          </a:stretch>
+        </p:blipFill>
+        <p:spPr>
+          <a:xfrm>
+            <a:off x="243841" y="1268004"/>
+            <a:ext cx="3953294" cy="1303746"/>
+          </a:xfrm>
+          <a:prstGeom prst="rect">
+            <a:avLst/>
+          </a:prstGeom>
+        </p:spPr>
+      </p:pic>
+      <p:pic>
+        <p:nvPicPr>
+          <p:cNvPr id="5" name="Picture 4">
+            <a:extLst>
+              <a:ext uri="{FF2B5EF4-FFF2-40B4-BE49-F238E27FC236}">
+                <a16:creationId xmlns:a16="http://schemas.microsoft.com/office/drawing/2014/main" id="{8B81B2FF-FE59-5281-4A3A-01BC3CAF2D19}"/>
+              </a:ext>
+            </a:extLst>
+          </p:cNvPr>
+          <p:cNvPicPr>
+            <a:picLocks noChangeAspect="1"/>
+          </p:cNvPicPr>
+          <p:nvPr/>
+        </p:nvPicPr>
+        <p:blipFill>
+          <a:blip r:embed="rId4"/>
+          <a:stretch>
+            <a:fillRect/>
+          </a:stretch>
+        </p:blipFill>
+        <p:spPr>
+          <a:xfrm>
+            <a:off x="5062447" y="1268005"/>
+            <a:ext cx="3486427" cy="2806412"/>
+          </a:xfrm>
+          <a:prstGeom prst="rect">
+            <a:avLst/>
+          </a:prstGeom>
+        </p:spPr>
+      </p:pic>
     </p:spTree>
   </p:cSld>
   <p:clrMapOvr>
@@ -39920,8 +40651,8 @@
         </p:nvSpPr>
         <p:spPr>
           <a:xfrm>
-            <a:off x="3282875" y="1296900"/>
-            <a:ext cx="5285100" cy="3018000"/>
+            <a:off x="548640" y="1296900"/>
+            <a:ext cx="8019335" cy="3018000"/>
           </a:xfrm>
           <a:prstGeom prst="rect">
             <a:avLst/>
@@ -39944,41 +40675,51 @@
               <a:buChar char="-"/>
             </a:pPr>
             <a:r>
-              <a:rPr lang="en-US" sz="1200" b="1" dirty="0"/>
-              <a:t>Recommendation 1 to be added.</a:t>
+              <a:rPr lang="en-US" sz="1600" b="0" i="0" dirty="0">
+                <a:effectLst/>
+                <a:latin typeface="-apple-system"/>
+              </a:rPr>
+              <a:t>The model with the best recall score is our tuned </a:t>
             </a:r>
-            <a:endParaRPr sz="1200" b="1" dirty="0"/>
-          </a:p>
-          <a:p>
-            <a:pPr marL="457200" lvl="0" indent="-304800" algn="l" rtl="0">
-              <a:spcBef>
-                <a:spcPts val="0"/>
-              </a:spcBef>
-              <a:spcAft>
-                <a:spcPts val="0"/>
-              </a:spcAft>
-              <a:buSzPts val="1200"/>
-              <a:buChar char="-"/>
-            </a:pPr>
             <a:r>
-              <a:rPr lang="en-US" sz="1200" b="1" dirty="0"/>
-              <a:t>Recommendation 2 to be added.</a:t>
+              <a:rPr lang="en-US" sz="1600" b="1" i="0" dirty="0" err="1">
+                <a:effectLst/>
+                <a:latin typeface="-apple-system"/>
+              </a:rPr>
+              <a:t>LightGBM</a:t>
+            </a:r>
+            <a:r>
+              <a:rPr lang="en-US" sz="1600" b="0" i="0" dirty="0">
+                <a:effectLst/>
+                <a:latin typeface="-apple-system"/>
+              </a:rPr>
+              <a:t> with 79%, i.e. 79% of customers who file claims will have been predicted to correctly, with test accuracy of 86.2%.</a:t>
             </a:r>
           </a:p>
           <a:p>
-            <a:pPr marL="457200" lvl="0" indent="-304800" algn="l" rtl="0">
-              <a:spcBef>
-                <a:spcPts val="0"/>
-              </a:spcBef>
-              <a:spcAft>
-                <a:spcPts val="0"/>
-              </a:spcAft>
-              <a:buSzPts val="1200"/>
-              <a:buChar char="-"/>
+            <a:pPr algn="l">
+              <a:buFont typeface="Arial" panose="020B0604020202020204" pitchFamily="34" charset="0"/>
+              <a:buChar char="•"/>
             </a:pPr>
             <a:r>
-              <a:rPr lang="en-US" sz="1200" b="1" dirty="0"/>
-              <a:t>Recommendation 3 to be added.</a:t>
+              <a:rPr lang="en-US" sz="1600" b="0" i="0" dirty="0">
+                <a:effectLst/>
+                <a:latin typeface="-apple-system"/>
+              </a:rPr>
+              <a:t>We also find relatively high precision (which minimizes false positives). This is interpreted as accurately predicting when customers do not file a claim. This reassures us that the insurance company can reliably pick customers who will continue to pay premiums, while not costing the insurance company more money with claims.</a:t>
+            </a:r>
+          </a:p>
+          <a:p>
+            <a:pPr algn="l">
+              <a:buFont typeface="Arial" panose="020B0604020202020204" pitchFamily="34" charset="0"/>
+              <a:buChar char="•"/>
+            </a:pPr>
+            <a:r>
+              <a:rPr lang="en-US" sz="1600" b="0" i="0" dirty="0">
+                <a:effectLst/>
+                <a:latin typeface="-apple-system"/>
+              </a:rPr>
+              <a:t>Finally, the insurance company should scrutinize potential customers more who lease (or who otherwise don't own) their vehicles, as well as those who have a history of speeding violations and accidents.</a:t>
             </a:r>
           </a:p>
           <a:p>
